--- a/MERN/Week 2 Node JS/Express JS.pptx
+++ b/MERN/Week 2 Node JS/Express JS.pptx
@@ -6,20 +6,21 @@
   </p:sldMasterIdLst>
   <p:sldIdLst>
     <p:sldId id="256" r:id="rId2"/>
-    <p:sldId id="258" r:id="rId3"/>
-    <p:sldId id="266" r:id="rId4"/>
-    <p:sldId id="267" r:id="rId5"/>
-    <p:sldId id="257" r:id="rId6"/>
-    <p:sldId id="268" r:id="rId7"/>
-    <p:sldId id="269" r:id="rId8"/>
-    <p:sldId id="270" r:id="rId9"/>
-    <p:sldId id="259" r:id="rId10"/>
-    <p:sldId id="260" r:id="rId11"/>
-    <p:sldId id="261" r:id="rId12"/>
-    <p:sldId id="262" r:id="rId13"/>
-    <p:sldId id="263" r:id="rId14"/>
-    <p:sldId id="264" r:id="rId15"/>
-    <p:sldId id="265" r:id="rId16"/>
+    <p:sldId id="271" r:id="rId3"/>
+    <p:sldId id="258" r:id="rId4"/>
+    <p:sldId id="266" r:id="rId5"/>
+    <p:sldId id="267" r:id="rId6"/>
+    <p:sldId id="257" r:id="rId7"/>
+    <p:sldId id="268" r:id="rId8"/>
+    <p:sldId id="272" r:id="rId9"/>
+    <p:sldId id="269" r:id="rId10"/>
+    <p:sldId id="270" r:id="rId11"/>
+    <p:sldId id="259" r:id="rId12"/>
+    <p:sldId id="260" r:id="rId13"/>
+    <p:sldId id="262" r:id="rId14"/>
+    <p:sldId id="263" r:id="rId15"/>
+    <p:sldId id="264" r:id="rId16"/>
+    <p:sldId id="265" r:id="rId17"/>
   </p:sldIdLst>
   <p:sldSz cx="12192000" cy="6858000"/>
   <p:notesSz cx="6858000" cy="9144000"/>
@@ -118,6 +119,59 @@
       </a:defRPr>
     </a:lvl9pPr>
   </p:defaultTextStyle>
+  <p:extLst>
+    <p:ext uri="{521415D9-36F7-43E2-AB2F-B90AF26B5E84}">
+      <p14:sectionLst xmlns:p14="http://schemas.microsoft.com/office/powerpoint/2010/main">
+        <p14:section name="Default Section" id="{B79D5DE1-2733-43D6-BCF5-0EAA7D32D0FA}">
+          <p14:sldIdLst>
+            <p14:sldId id="256"/>
+          </p14:sldIdLst>
+        </p14:section>
+        <p14:section name="How to Create HTTP Server" id="{0BE7D782-985E-490C-992C-AA6B487D95B7}">
+          <p14:sldIdLst>
+            <p14:sldId id="271"/>
+          </p14:sldIdLst>
+        </p14:section>
+        <p14:section name="Express JS Intro" id="{6E5B36FB-E95B-4141-877F-6B3D1DA746BD}">
+          <p14:sldIdLst>
+            <p14:sldId id="258"/>
+            <p14:sldId id="266"/>
+            <p14:sldId id="267"/>
+            <p14:sldId id="257"/>
+            <p14:sldId id="268"/>
+          </p14:sldIdLst>
+        </p14:section>
+        <p14:section name="How to run fileName.js" id="{29239A7A-3FEF-4309-BA1D-5F64B3400DB3}">
+          <p14:sldIdLst>
+            <p14:sldId id="272"/>
+          </p14:sldIdLst>
+        </p14:section>
+        <p14:section name="Status Code &amp; Methods" id="{9DB3094A-1028-4354-AD6A-CEF862573C48}">
+          <p14:sldIdLst>
+            <p14:sldId id="269"/>
+          </p14:sldIdLst>
+        </p14:section>
+        <p14:section name="Doute : IP Ping Server" id="{D58A42EC-4A37-4E73-8BFA-520AE5C02D69}">
+          <p14:sldIdLst>
+            <p14:sldId id="270"/>
+            <p14:sldId id="259"/>
+            <p14:sldId id="260"/>
+          </p14:sldIdLst>
+        </p14:section>
+        <p14:section name="Syntax Remember of ExpressJS" id="{6C12DF7C-F0F9-4AEC-A4AE-9D25D3428A79}">
+          <p14:sldIdLst>
+            <p14:sldId id="262"/>
+            <p14:sldId id="263"/>
+            <p14:sldId id="264"/>
+            <p14:sldId id="265"/>
+          </p14:sldIdLst>
+        </p14:section>
+      </p14:sectionLst>
+    </p:ext>
+    <p:ext uri="{EFAFB233-063F-42B5-8137-9DF3F51BA10A}">
+      <p15:sldGuideLst xmlns:p15="http://schemas.microsoft.com/office/powerpoint/2012/main"/>
+    </p:ext>
+  </p:extLst>
 </p:presentation>
 </file>
 
@@ -270,7 +324,7 @@
           <a:p>
             <a:fld id="{941F1C97-888F-46EC-8478-384BB03874AA}" type="datetimeFigureOut">
               <a:rPr lang="en-IN" smtClean="0"/>
-              <a:t>29-12-2025</a:t>
+              <a:t>30-12-2025</a:t>
             </a:fld>
             <a:endParaRPr lang="en-IN"/>
           </a:p>
@@ -470,7 +524,7 @@
           <a:p>
             <a:fld id="{941F1C97-888F-46EC-8478-384BB03874AA}" type="datetimeFigureOut">
               <a:rPr lang="en-IN" smtClean="0"/>
-              <a:t>29-12-2025</a:t>
+              <a:t>30-12-2025</a:t>
             </a:fld>
             <a:endParaRPr lang="en-IN"/>
           </a:p>
@@ -680,7 +734,7 @@
           <a:p>
             <a:fld id="{941F1C97-888F-46EC-8478-384BB03874AA}" type="datetimeFigureOut">
               <a:rPr lang="en-IN" smtClean="0"/>
-              <a:t>29-12-2025</a:t>
+              <a:t>30-12-2025</a:t>
             </a:fld>
             <a:endParaRPr lang="en-IN"/>
           </a:p>
@@ -880,7 +934,7 @@
           <a:p>
             <a:fld id="{941F1C97-888F-46EC-8478-384BB03874AA}" type="datetimeFigureOut">
               <a:rPr lang="en-IN" smtClean="0"/>
-              <a:t>29-12-2025</a:t>
+              <a:t>30-12-2025</a:t>
             </a:fld>
             <a:endParaRPr lang="en-IN"/>
           </a:p>
@@ -1156,7 +1210,7 @@
           <a:p>
             <a:fld id="{941F1C97-888F-46EC-8478-384BB03874AA}" type="datetimeFigureOut">
               <a:rPr lang="en-IN" smtClean="0"/>
-              <a:t>29-12-2025</a:t>
+              <a:t>30-12-2025</a:t>
             </a:fld>
             <a:endParaRPr lang="en-IN"/>
           </a:p>
@@ -1424,7 +1478,7 @@
           <a:p>
             <a:fld id="{941F1C97-888F-46EC-8478-384BB03874AA}" type="datetimeFigureOut">
               <a:rPr lang="en-IN" smtClean="0"/>
-              <a:t>29-12-2025</a:t>
+              <a:t>30-12-2025</a:t>
             </a:fld>
             <a:endParaRPr lang="en-IN"/>
           </a:p>
@@ -1839,7 +1893,7 @@
           <a:p>
             <a:fld id="{941F1C97-888F-46EC-8478-384BB03874AA}" type="datetimeFigureOut">
               <a:rPr lang="en-IN" smtClean="0"/>
-              <a:t>29-12-2025</a:t>
+              <a:t>30-12-2025</a:t>
             </a:fld>
             <a:endParaRPr lang="en-IN"/>
           </a:p>
@@ -1981,7 +2035,7 @@
           <a:p>
             <a:fld id="{941F1C97-888F-46EC-8478-384BB03874AA}" type="datetimeFigureOut">
               <a:rPr lang="en-IN" smtClean="0"/>
-              <a:t>29-12-2025</a:t>
+              <a:t>30-12-2025</a:t>
             </a:fld>
             <a:endParaRPr lang="en-IN"/>
           </a:p>
@@ -2094,7 +2148,7 @@
           <a:p>
             <a:fld id="{941F1C97-888F-46EC-8478-384BB03874AA}" type="datetimeFigureOut">
               <a:rPr lang="en-IN" smtClean="0"/>
-              <a:t>29-12-2025</a:t>
+              <a:t>30-12-2025</a:t>
             </a:fld>
             <a:endParaRPr lang="en-IN"/>
           </a:p>
@@ -2407,7 +2461,7 @@
           <a:p>
             <a:fld id="{941F1C97-888F-46EC-8478-384BB03874AA}" type="datetimeFigureOut">
               <a:rPr lang="en-IN" smtClean="0"/>
-              <a:t>29-12-2025</a:t>
+              <a:t>30-12-2025</a:t>
             </a:fld>
             <a:endParaRPr lang="en-IN"/>
           </a:p>
@@ -2696,7 +2750,7 @@
           <a:p>
             <a:fld id="{941F1C97-888F-46EC-8478-384BB03874AA}" type="datetimeFigureOut">
               <a:rPr lang="en-IN" smtClean="0"/>
-              <a:t>29-12-2025</a:t>
+              <a:t>30-12-2025</a:t>
             </a:fld>
             <a:endParaRPr lang="en-IN"/>
           </a:p>
@@ -2939,7 +2993,7 @@
           <a:p>
             <a:fld id="{941F1C97-888F-46EC-8478-384BB03874AA}" type="datetimeFigureOut">
               <a:rPr lang="en-IN" smtClean="0"/>
-              <a:t>29-12-2025</a:t>
+              <a:t>30-12-2025</a:t>
             </a:fld>
             <a:endParaRPr lang="en-IN"/>
           </a:p>
@@ -3418,10 +3472,130 @@
           <a:chExt cx="0" cy="0"/>
         </a:xfrm>
       </p:grpSpPr>
+      <p:pic>
+        <p:nvPicPr>
+          <p:cNvPr id="5" name="Picture 4">
+            <a:extLst>
+              <a:ext uri="{FF2B5EF4-FFF2-40B4-BE49-F238E27FC236}">
+                <a16:creationId xmlns:a16="http://schemas.microsoft.com/office/drawing/2014/main" id="{F445444E-FFC7-4ED1-8863-30D29658AA77}"/>
+              </a:ext>
+            </a:extLst>
+          </p:cNvPr>
+          <p:cNvPicPr>
+            <a:picLocks noChangeAspect="1"/>
+          </p:cNvPicPr>
+          <p:nvPr/>
+        </p:nvPicPr>
+        <p:blipFill>
+          <a:blip r:embed="rId2"/>
+          <a:stretch>
+            <a:fillRect/>
+          </a:stretch>
+        </p:blipFill>
+        <p:spPr>
+          <a:xfrm>
+            <a:off x="0" y="0"/>
+            <a:ext cx="12192000" cy="6858000"/>
+          </a:xfrm>
+          <a:prstGeom prst="rect">
+            <a:avLst/>
+          </a:prstGeom>
+          <a:solidFill>
+            <a:srgbClr val="FFFFFF">
+              <a:shade val="85000"/>
+            </a:srgbClr>
+          </a:solidFill>
+          <a:ln w="88900" cap="sq">
+            <a:solidFill>
+              <a:srgbClr val="FFFFFF"/>
+            </a:solidFill>
+            <a:miter lim="800000"/>
+          </a:ln>
+          <a:effectLst>
+            <a:outerShdw blurRad="55000" dist="18000" dir="5400000" algn="tl" rotWithShape="0">
+              <a:srgbClr val="000000">
+                <a:alpha val="40000"/>
+              </a:srgbClr>
+            </a:outerShdw>
+          </a:effectLst>
+          <a:scene3d>
+            <a:camera prst="orthographicFront"/>
+            <a:lightRig rig="twoPt" dir="t">
+              <a:rot lat="0" lon="0" rev="7200000"/>
+            </a:lightRig>
+          </a:scene3d>
+          <a:sp3d>
+            <a:bevelT w="25400" h="19050"/>
+            <a:contourClr>
+              <a:srgbClr val="FFFFFF"/>
+            </a:contourClr>
+          </a:sp3d>
+        </p:spPr>
+      </p:pic>
+      <p:pic>
+        <p:nvPicPr>
+          <p:cNvPr id="7" name="Picture 6">
+            <a:extLst>
+              <a:ext uri="{FF2B5EF4-FFF2-40B4-BE49-F238E27FC236}">
+                <a16:creationId xmlns:a16="http://schemas.microsoft.com/office/drawing/2014/main" id="{E642E8E6-8E73-439A-AB18-F647F85E3B29}"/>
+              </a:ext>
+            </a:extLst>
+          </p:cNvPr>
+          <p:cNvPicPr>
+            <a:picLocks noChangeAspect="1"/>
+          </p:cNvPicPr>
+          <p:nvPr/>
+        </p:nvPicPr>
+        <p:blipFill>
+          <a:blip r:embed="rId3"/>
+          <a:stretch>
+            <a:fillRect/>
+          </a:stretch>
+        </p:blipFill>
+        <p:spPr>
+          <a:xfrm>
+            <a:off x="988113" y="2698723"/>
+            <a:ext cx="6614733" cy="3025402"/>
+          </a:xfrm>
+          <a:prstGeom prst="rect">
+            <a:avLst/>
+          </a:prstGeom>
+          <a:solidFill>
+            <a:srgbClr val="FFFFFF">
+              <a:shade val="85000"/>
+            </a:srgbClr>
+          </a:solidFill>
+          <a:ln w="88900" cap="sq">
+            <a:solidFill>
+              <a:srgbClr val="FFFFFF"/>
+            </a:solidFill>
+            <a:miter lim="800000"/>
+          </a:ln>
+          <a:effectLst>
+            <a:outerShdw blurRad="55000" dist="18000" dir="5400000" algn="tl" rotWithShape="0">
+              <a:srgbClr val="000000">
+                <a:alpha val="40000"/>
+              </a:srgbClr>
+            </a:outerShdw>
+          </a:effectLst>
+          <a:scene3d>
+            <a:camera prst="orthographicFront"/>
+            <a:lightRig rig="twoPt" dir="t">
+              <a:rot lat="0" lon="0" rev="7200000"/>
+            </a:lightRig>
+          </a:scene3d>
+          <a:sp3d>
+            <a:bevelT w="25400" h="19050"/>
+            <a:contourClr>
+              <a:srgbClr val="FFFFFF"/>
+            </a:contourClr>
+          </a:sp3d>
+        </p:spPr>
+      </p:pic>
     </p:spTree>
     <p:extLst>
       <p:ext uri="{BB962C8B-B14F-4D97-AF65-F5344CB8AC3E}">
-        <p14:creationId xmlns:p14="http://schemas.microsoft.com/office/powerpoint/2010/main" val="3105289166"/>
+        <p14:creationId xmlns:p14="http://schemas.microsoft.com/office/powerpoint/2010/main" val="556800065"/>
       </p:ext>
     </p:extLst>
   </p:cSld>
@@ -3448,10 +3622,100 @@
           <a:chExt cx="0" cy="0"/>
         </a:xfrm>
       </p:grpSpPr>
+      <p:pic>
+        <p:nvPicPr>
+          <p:cNvPr id="3" name="Picture 2">
+            <a:extLst>
+              <a:ext uri="{FF2B5EF4-FFF2-40B4-BE49-F238E27FC236}">
+                <a16:creationId xmlns:a16="http://schemas.microsoft.com/office/drawing/2014/main" id="{FBC2C41B-BE50-4EF0-A592-108949D56136}"/>
+              </a:ext>
+            </a:extLst>
+          </p:cNvPr>
+          <p:cNvPicPr>
+            <a:picLocks noChangeAspect="1"/>
+          </p:cNvPicPr>
+          <p:nvPr/>
+        </p:nvPicPr>
+        <p:blipFill>
+          <a:blip r:embed="rId2"/>
+          <a:stretch>
+            <a:fillRect/>
+          </a:stretch>
+        </p:blipFill>
+        <p:spPr>
+          <a:xfrm>
+            <a:off x="0" y="1389"/>
+            <a:ext cx="12192000" cy="6855221"/>
+          </a:xfrm>
+          <a:prstGeom prst="rect">
+            <a:avLst/>
+          </a:prstGeom>
+        </p:spPr>
+      </p:pic>
+      <p:pic>
+        <p:nvPicPr>
+          <p:cNvPr id="9" name="Picture 8">
+            <a:extLst>
+              <a:ext uri="{FF2B5EF4-FFF2-40B4-BE49-F238E27FC236}">
+                <a16:creationId xmlns:a16="http://schemas.microsoft.com/office/drawing/2014/main" id="{506EC3CE-CDCB-4F0E-BC4D-D7FE2A06A142}"/>
+              </a:ext>
+            </a:extLst>
+          </p:cNvPr>
+          <p:cNvPicPr>
+            <a:picLocks noChangeAspect="1"/>
+          </p:cNvPicPr>
+          <p:nvPr/>
+        </p:nvPicPr>
+        <p:blipFill>
+          <a:blip r:embed="rId3"/>
+          <a:stretch>
+            <a:fillRect/>
+          </a:stretch>
+        </p:blipFill>
+        <p:spPr>
+          <a:xfrm>
+            <a:off x="1168219" y="2845516"/>
+            <a:ext cx="10606574" cy="3768763"/>
+          </a:xfrm>
+          <a:prstGeom prst="rect">
+            <a:avLst/>
+          </a:prstGeom>
+          <a:solidFill>
+            <a:srgbClr val="FFFFFF">
+              <a:shade val="85000"/>
+            </a:srgbClr>
+          </a:solidFill>
+          <a:ln w="88900" cap="sq">
+            <a:solidFill>
+              <a:srgbClr val="FFFFFF"/>
+            </a:solidFill>
+            <a:miter lim="800000"/>
+          </a:ln>
+          <a:effectLst>
+            <a:outerShdw blurRad="55000" dist="18000" dir="5400000" algn="tl" rotWithShape="0">
+              <a:srgbClr val="000000">
+                <a:alpha val="40000"/>
+              </a:srgbClr>
+            </a:outerShdw>
+          </a:effectLst>
+          <a:scene3d>
+            <a:camera prst="orthographicFront"/>
+            <a:lightRig rig="twoPt" dir="t">
+              <a:rot lat="0" lon="0" rev="7200000"/>
+            </a:lightRig>
+          </a:scene3d>
+          <a:sp3d>
+            <a:bevelT w="25400" h="19050"/>
+            <a:contourClr>
+              <a:srgbClr val="FFFFFF"/>
+            </a:contourClr>
+          </a:sp3d>
+        </p:spPr>
+      </p:pic>
     </p:spTree>
     <p:extLst>
       <p:ext uri="{BB962C8B-B14F-4D97-AF65-F5344CB8AC3E}">
-        <p14:creationId xmlns:p14="http://schemas.microsoft.com/office/powerpoint/2010/main" val="601637479"/>
+        <p14:creationId xmlns:p14="http://schemas.microsoft.com/office/powerpoint/2010/main" val="4144822319"/>
       </p:ext>
     </p:extLst>
   </p:cSld>
@@ -3478,6 +3742,126 @@
           <a:chExt cx="0" cy="0"/>
         </a:xfrm>
       </p:grpSpPr>
+      <p:pic>
+        <p:nvPicPr>
+          <p:cNvPr id="3" name="Picture 2">
+            <a:extLst>
+              <a:ext uri="{FF2B5EF4-FFF2-40B4-BE49-F238E27FC236}">
+                <a16:creationId xmlns:a16="http://schemas.microsoft.com/office/drawing/2014/main" id="{5BE2BEA1-29EB-4EE6-BAE1-4BB51C7986FE}"/>
+              </a:ext>
+            </a:extLst>
+          </p:cNvPr>
+          <p:cNvPicPr>
+            <a:picLocks noChangeAspect="1"/>
+          </p:cNvPicPr>
+          <p:nvPr/>
+        </p:nvPicPr>
+        <p:blipFill>
+          <a:blip r:embed="rId2"/>
+          <a:stretch>
+            <a:fillRect/>
+          </a:stretch>
+        </p:blipFill>
+        <p:spPr>
+          <a:xfrm>
+            <a:off x="330970" y="853217"/>
+            <a:ext cx="11530059" cy="5151566"/>
+          </a:xfrm>
+          <a:prstGeom prst="rect">
+            <a:avLst/>
+          </a:prstGeom>
+        </p:spPr>
+      </p:pic>
+    </p:spTree>
+    <p:extLst>
+      <p:ext uri="{BB962C8B-B14F-4D97-AF65-F5344CB8AC3E}">
+        <p14:creationId xmlns:p14="http://schemas.microsoft.com/office/powerpoint/2010/main" val="3105289166"/>
+      </p:ext>
+    </p:extLst>
+  </p:cSld>
+  <p:clrMapOvr>
+    <a:masterClrMapping/>
+  </p:clrMapOvr>
+</p:sld>
+</file>
+
+<file path=ppt/slides/slide13.xml><?xml version="1.0" encoding="utf-8"?>
+<p:sld xmlns:a="http://schemas.openxmlformats.org/drawingml/2006/main" xmlns:r="http://schemas.openxmlformats.org/officeDocument/2006/relationships" xmlns:p="http://schemas.openxmlformats.org/presentationml/2006/main">
+  <p:cSld>
+    <p:spTree>
+      <p:nvGrpSpPr>
+        <p:cNvPr id="1" name=""/>
+        <p:cNvGrpSpPr/>
+        <p:nvPr/>
+      </p:nvGrpSpPr>
+      <p:grpSpPr>
+        <a:xfrm>
+          <a:off x="0" y="0"/>
+          <a:ext cx="0" cy="0"/>
+          <a:chOff x="0" y="0"/>
+          <a:chExt cx="0" cy="0"/>
+        </a:xfrm>
+      </p:grpSpPr>
+      <p:pic>
+        <p:nvPicPr>
+          <p:cNvPr id="3" name="Picture 2">
+            <a:extLst>
+              <a:ext uri="{FF2B5EF4-FFF2-40B4-BE49-F238E27FC236}">
+                <a16:creationId xmlns:a16="http://schemas.microsoft.com/office/drawing/2014/main" id="{25FEE6A1-1304-4ED3-96D4-150F1E4B3E92}"/>
+              </a:ext>
+            </a:extLst>
+          </p:cNvPr>
+          <p:cNvPicPr>
+            <a:picLocks noChangeAspect="1"/>
+          </p:cNvPicPr>
+          <p:nvPr/>
+        </p:nvPicPr>
+        <p:blipFill>
+          <a:blip r:embed="rId2"/>
+          <a:stretch>
+            <a:fillRect/>
+          </a:stretch>
+        </p:blipFill>
+        <p:spPr>
+          <a:xfrm>
+            <a:off x="0" y="244426"/>
+            <a:ext cx="12192000" cy="4332957"/>
+          </a:xfrm>
+          <a:prstGeom prst="rect">
+            <a:avLst/>
+          </a:prstGeom>
+        </p:spPr>
+      </p:pic>
+      <p:pic>
+        <p:nvPicPr>
+          <p:cNvPr id="5" name="Picture 4">
+            <a:extLst>
+              <a:ext uri="{FF2B5EF4-FFF2-40B4-BE49-F238E27FC236}">
+                <a16:creationId xmlns:a16="http://schemas.microsoft.com/office/drawing/2014/main" id="{475A6729-F388-4774-B816-04363935B139}"/>
+              </a:ext>
+            </a:extLst>
+          </p:cNvPr>
+          <p:cNvPicPr>
+            <a:picLocks noChangeAspect="1"/>
+          </p:cNvPicPr>
+          <p:nvPr/>
+        </p:nvPicPr>
+        <p:blipFill>
+          <a:blip r:embed="rId3"/>
+          <a:stretch>
+            <a:fillRect/>
+          </a:stretch>
+        </p:blipFill>
+        <p:spPr>
+          <a:xfrm>
+            <a:off x="194765" y="5328644"/>
+            <a:ext cx="11821322" cy="857552"/>
+          </a:xfrm>
+          <a:prstGeom prst="rect">
+            <a:avLst/>
+          </a:prstGeom>
+        </p:spPr>
+      </p:pic>
     </p:spTree>
     <p:extLst>
       <p:ext uri="{BB962C8B-B14F-4D97-AF65-F5344CB8AC3E}">
@@ -3491,7 +3875,7 @@
 </p:sld>
 </file>
 
-<file path=ppt/slides/slide13.xml><?xml version="1.0" encoding="utf-8"?>
+<file path=ppt/slides/slide14.xml><?xml version="1.0" encoding="utf-8"?>
 <p:sld xmlns:a="http://schemas.openxmlformats.org/drawingml/2006/main" xmlns:r="http://schemas.openxmlformats.org/officeDocument/2006/relationships" xmlns:p="http://schemas.openxmlformats.org/presentationml/2006/main">
   <p:cSld>
     <p:spTree>
@@ -3521,7 +3905,7 @@
 </p:sld>
 </file>
 
-<file path=ppt/slides/slide14.xml><?xml version="1.0" encoding="utf-8"?>
+<file path=ppt/slides/slide15.xml><?xml version="1.0" encoding="utf-8"?>
 <p:sld xmlns:a="http://schemas.openxmlformats.org/drawingml/2006/main" xmlns:r="http://schemas.openxmlformats.org/officeDocument/2006/relationships" xmlns:p="http://schemas.openxmlformats.org/presentationml/2006/main">
   <p:cSld>
     <p:spTree>
@@ -3551,7 +3935,7 @@
 </p:sld>
 </file>
 
-<file path=ppt/slides/slide15.xml><?xml version="1.0" encoding="utf-8"?>
+<file path=ppt/slides/slide16.xml><?xml version="1.0" encoding="utf-8"?>
 <p:sld xmlns:a="http://schemas.openxmlformats.org/drawingml/2006/main" xmlns:r="http://schemas.openxmlformats.org/officeDocument/2006/relationships" xmlns:p="http://schemas.openxmlformats.org/presentationml/2006/main">
   <p:cSld>
     <p:spTree>
@@ -3600,6 +3984,122 @@
       </p:grpSpPr>
       <p:pic>
         <p:nvPicPr>
+          <p:cNvPr id="3" name="Picture 2">
+            <a:extLst>
+              <a:ext uri="{FF2B5EF4-FFF2-40B4-BE49-F238E27FC236}">
+                <a16:creationId xmlns:a16="http://schemas.microsoft.com/office/drawing/2014/main" id="{13951E37-C411-4291-9CF0-50367A70E45E}"/>
+              </a:ext>
+            </a:extLst>
+          </p:cNvPr>
+          <p:cNvPicPr>
+            <a:picLocks noChangeAspect="1"/>
+          </p:cNvPicPr>
+          <p:nvPr/>
+        </p:nvPicPr>
+        <p:blipFill>
+          <a:blip r:embed="rId2"/>
+          <a:stretch>
+            <a:fillRect/>
+          </a:stretch>
+        </p:blipFill>
+        <p:spPr>
+          <a:xfrm>
+            <a:off x="319505" y="3372157"/>
+            <a:ext cx="11552990" cy="2677777"/>
+          </a:xfrm>
+          <a:prstGeom prst="rect">
+            <a:avLst/>
+          </a:prstGeom>
+        </p:spPr>
+      </p:pic>
+      <p:sp>
+        <p:nvSpPr>
+          <p:cNvPr id="4" name="Title 1">
+            <a:extLst>
+              <a:ext uri="{FF2B5EF4-FFF2-40B4-BE49-F238E27FC236}">
+                <a16:creationId xmlns:a16="http://schemas.microsoft.com/office/drawing/2014/main" id="{4DFF1982-4E9F-44C0-A391-E3FEF52268A5}"/>
+              </a:ext>
+            </a:extLst>
+          </p:cNvPr>
+          <p:cNvSpPr txBox="1">
+            <a:spLocks/>
+          </p:cNvSpPr>
+          <p:nvPr/>
+        </p:nvSpPr>
+        <p:spPr>
+          <a:xfrm>
+            <a:off x="590746" y="440707"/>
+            <a:ext cx="9144000" cy="734717"/>
+          </a:xfrm>
+          <a:prstGeom prst="rect">
+            <a:avLst/>
+          </a:prstGeom>
+        </p:spPr>
+        <p:txBody>
+          <a:bodyPr/>
+          <a:lstStyle>
+            <a:lvl1pPr algn="l" defTabSz="914400" rtl="0" eaLnBrk="1" latinLnBrk="0" hangingPunct="1">
+              <a:lnSpc>
+                <a:spcPct val="90000"/>
+              </a:lnSpc>
+              <a:spcBef>
+                <a:spcPct val="0"/>
+              </a:spcBef>
+              <a:buNone/>
+              <a:defRPr sz="4400" kern="1200">
+                <a:solidFill>
+                  <a:schemeClr val="tx1"/>
+                </a:solidFill>
+                <a:latin typeface="+mj-lt"/>
+                <a:ea typeface="+mj-ea"/>
+                <a:cs typeface="+mj-cs"/>
+              </a:defRPr>
+            </a:lvl1pPr>
+          </a:lstStyle>
+          <a:p>
+            <a:r>
+              <a:rPr lang="en-IN" b="1" dirty="0">
+                <a:solidFill>
+                  <a:srgbClr val="FF0000"/>
+                </a:solidFill>
+              </a:rPr>
+              <a:t>How to Create HTTP Server</a:t>
+            </a:r>
+          </a:p>
+        </p:txBody>
+      </p:sp>
+    </p:spTree>
+    <p:extLst>
+      <p:ext uri="{BB962C8B-B14F-4D97-AF65-F5344CB8AC3E}">
+        <p14:creationId xmlns:p14="http://schemas.microsoft.com/office/powerpoint/2010/main" val="821866442"/>
+      </p:ext>
+    </p:extLst>
+  </p:cSld>
+  <p:clrMapOvr>
+    <a:masterClrMapping/>
+  </p:clrMapOvr>
+</p:sld>
+</file>
+
+<file path=ppt/slides/slide3.xml><?xml version="1.0" encoding="utf-8"?>
+<p:sld xmlns:a="http://schemas.openxmlformats.org/drawingml/2006/main" xmlns:r="http://schemas.openxmlformats.org/officeDocument/2006/relationships" xmlns:p="http://schemas.openxmlformats.org/presentationml/2006/main">
+  <p:cSld>
+    <p:spTree>
+      <p:nvGrpSpPr>
+        <p:cNvPr id="1" name=""/>
+        <p:cNvGrpSpPr/>
+        <p:nvPr/>
+      </p:nvGrpSpPr>
+      <p:grpSpPr>
+        <a:xfrm>
+          <a:off x="0" y="0"/>
+          <a:ext cx="0" cy="0"/>
+          <a:chOff x="0" y="0"/>
+          <a:chExt cx="0" cy="0"/>
+        </a:xfrm>
+      </p:grpSpPr>
+      <p:pic>
+        <p:nvPicPr>
           <p:cNvPr id="5" name="Picture 4">
             <a:extLst>
               <a:ext uri="{FF2B5EF4-FFF2-40B4-BE49-F238E27FC236}">
@@ -3731,7 +4231,7 @@
 </p:sld>
 </file>
 
-<file path=ppt/slides/slide3.xml><?xml version="1.0" encoding="utf-8"?>
+<file path=ppt/slides/slide4.xml><?xml version="1.0" encoding="utf-8"?>
 <p:sld xmlns:a="http://schemas.openxmlformats.org/drawingml/2006/main" xmlns:r="http://schemas.openxmlformats.org/officeDocument/2006/relationships" xmlns:p="http://schemas.openxmlformats.org/presentationml/2006/main">
   <p:cSld>
     <p:spTree>
@@ -3911,7 +4411,7 @@
 </p:sld>
 </file>
 
-<file path=ppt/slides/slide4.xml><?xml version="1.0" encoding="utf-8"?>
+<file path=ppt/slides/slide5.xml><?xml version="1.0" encoding="utf-8"?>
 <p:sld xmlns:a="http://schemas.openxmlformats.org/drawingml/2006/main" xmlns:r="http://schemas.openxmlformats.org/officeDocument/2006/relationships" xmlns:p="http://schemas.openxmlformats.org/presentationml/2006/main">
   <p:cSld>
     <p:spTree>
@@ -4061,7 +4561,7 @@
 </p:sld>
 </file>
 
-<file path=ppt/slides/slide5.xml><?xml version="1.0" encoding="utf-8"?>
+<file path=ppt/slides/slide6.xml><?xml version="1.0" encoding="utf-8"?>
 <p:sld xmlns:a="http://schemas.openxmlformats.org/drawingml/2006/main" xmlns:r="http://schemas.openxmlformats.org/officeDocument/2006/relationships" xmlns:p="http://schemas.openxmlformats.org/presentationml/2006/main">
   <p:cSld>
     <p:spTree>
@@ -4151,7 +4651,7 @@
 </p:sld>
 </file>
 
-<file path=ppt/slides/slide6.xml><?xml version="1.0" encoding="utf-8"?>
+<file path=ppt/slides/slide7.xml><?xml version="1.0" encoding="utf-8"?>
 <p:sld xmlns:a="http://schemas.openxmlformats.org/drawingml/2006/main" xmlns:r="http://schemas.openxmlformats.org/officeDocument/2006/relationships" xmlns:p="http://schemas.openxmlformats.org/presentationml/2006/main">
   <p:cSld>
     <p:spTree>
@@ -4211,36 +4711,6 @@
 </p:sld>
 </file>
 
-<file path=ppt/slides/slide7.xml><?xml version="1.0" encoding="utf-8"?>
-<p:sld xmlns:a="http://schemas.openxmlformats.org/drawingml/2006/main" xmlns:r="http://schemas.openxmlformats.org/officeDocument/2006/relationships" xmlns:p="http://schemas.openxmlformats.org/presentationml/2006/main">
-  <p:cSld>
-    <p:spTree>
-      <p:nvGrpSpPr>
-        <p:cNvPr id="1" name=""/>
-        <p:cNvGrpSpPr/>
-        <p:nvPr/>
-      </p:nvGrpSpPr>
-      <p:grpSpPr>
-        <a:xfrm>
-          <a:off x="0" y="0"/>
-          <a:ext cx="0" cy="0"/>
-          <a:chOff x="0" y="0"/>
-          <a:chExt cx="0" cy="0"/>
-        </a:xfrm>
-      </p:grpSpPr>
-    </p:spTree>
-    <p:extLst>
-      <p:ext uri="{BB962C8B-B14F-4D97-AF65-F5344CB8AC3E}">
-        <p14:creationId xmlns:p14="http://schemas.microsoft.com/office/powerpoint/2010/main" val="2079461102"/>
-      </p:ext>
-    </p:extLst>
-  </p:cSld>
-  <p:clrMapOvr>
-    <a:masterClrMapping/>
-  </p:clrMapOvr>
-</p:sld>
-</file>
-
 <file path=ppt/slides/slide8.xml><?xml version="1.0" encoding="utf-8"?>
 <p:sld xmlns:a="http://schemas.openxmlformats.org/drawingml/2006/main" xmlns:r="http://schemas.openxmlformats.org/officeDocument/2006/relationships" xmlns:p="http://schemas.openxmlformats.org/presentationml/2006/main">
   <p:cSld>
@@ -4258,10 +4728,186 @@
           <a:chExt cx="0" cy="0"/>
         </a:xfrm>
       </p:grpSpPr>
+      <p:sp>
+        <p:nvSpPr>
+          <p:cNvPr id="2" name="Title 1">
+            <a:extLst>
+              <a:ext uri="{FF2B5EF4-FFF2-40B4-BE49-F238E27FC236}">
+                <a16:creationId xmlns:a16="http://schemas.microsoft.com/office/drawing/2014/main" id="{7ED07AB8-1E50-4D35-9D88-846E6D503F94}"/>
+              </a:ext>
+            </a:extLst>
+          </p:cNvPr>
+          <p:cNvSpPr>
+            <a:spLocks noGrp="1"/>
+          </p:cNvSpPr>
+          <p:nvPr>
+            <p:ph type="title"/>
+          </p:nvPr>
+        </p:nvSpPr>
+        <p:spPr/>
+        <p:txBody>
+          <a:bodyPr/>
+          <a:lstStyle/>
+          <a:p>
+            <a:r>
+              <a:rPr lang="en-IN" dirty="0"/>
+              <a:t>How to run Express JS File {index.js}</a:t>
+            </a:r>
+          </a:p>
+        </p:txBody>
+      </p:sp>
+      <p:sp>
+        <p:nvSpPr>
+          <p:cNvPr id="3" name="Content Placeholder 2">
+            <a:extLst>
+              <a:ext uri="{FF2B5EF4-FFF2-40B4-BE49-F238E27FC236}">
+                <a16:creationId xmlns:a16="http://schemas.microsoft.com/office/drawing/2014/main" id="{18395AF5-2C99-4183-BE76-3F046D8A5AA0}"/>
+              </a:ext>
+            </a:extLst>
+          </p:cNvPr>
+          <p:cNvSpPr>
+            <a:spLocks noGrp="1"/>
+          </p:cNvSpPr>
+          <p:nvPr>
+            <p:ph idx="1"/>
+          </p:nvPr>
+        </p:nvSpPr>
+        <p:spPr/>
+        <p:txBody>
+          <a:bodyPr/>
+          <a:lstStyle/>
+          <a:p>
+            <a:pPr marL="0" indent="0">
+              <a:buNone/>
+            </a:pPr>
+            <a:r>
+              <a:rPr lang="en-IN" dirty="0">
+                <a:solidFill>
+                  <a:srgbClr val="FF0000"/>
+                </a:solidFill>
+              </a:rPr>
+              <a:t>1. node file_Name.js</a:t>
+            </a:r>
+            <a:r>
+              <a:rPr lang="en-IN" dirty="0"/>
+              <a:t> : </a:t>
+            </a:r>
+            <a:r>
+              <a:rPr lang="en-IN" b="1" dirty="0"/>
+              <a:t>Use to run server on specified port</a:t>
+            </a:r>
+          </a:p>
+          <a:p>
+            <a:pPr marL="0" indent="0">
+              <a:buNone/>
+            </a:pPr>
+            <a:r>
+              <a:rPr lang="en-IN" b="1" dirty="0"/>
+              <a:t>Note : Every time you made changes you need to run this command to see changes.</a:t>
+            </a:r>
+          </a:p>
+          <a:p>
+            <a:pPr marL="0" indent="0">
+              <a:buNone/>
+            </a:pPr>
+            <a:r>
+              <a:rPr lang="en-IN" dirty="0">
+                <a:solidFill>
+                  <a:srgbClr val="FF0000"/>
+                </a:solidFill>
+              </a:rPr>
+              <a:t>2. </a:t>
+            </a:r>
+            <a:r>
+              <a:rPr lang="en-IN" dirty="0" err="1">
+                <a:solidFill>
+                  <a:srgbClr val="FF0000"/>
+                </a:solidFill>
+              </a:rPr>
+              <a:t>npm</a:t>
+            </a:r>
+            <a:r>
+              <a:rPr lang="en-IN" dirty="0">
+                <a:solidFill>
+                  <a:srgbClr val="FF0000"/>
+                </a:solidFill>
+              </a:rPr>
+              <a:t> install </a:t>
+            </a:r>
+            <a:r>
+              <a:rPr lang="en-IN" dirty="0" err="1">
+                <a:solidFill>
+                  <a:srgbClr val="FF0000"/>
+                </a:solidFill>
+              </a:rPr>
+              <a:t>nodemopd</a:t>
+            </a:r>
+            <a:endParaRPr lang="en-IN" dirty="0">
+              <a:solidFill>
+                <a:srgbClr val="FF0000"/>
+              </a:solidFill>
+            </a:endParaRPr>
+          </a:p>
+          <a:p>
+            <a:pPr marL="0" indent="0">
+              <a:buNone/>
+            </a:pPr>
+            <a:r>
+              <a:rPr lang="en-IN" dirty="0">
+                <a:solidFill>
+                  <a:srgbClr val="FF0000"/>
+                </a:solidFill>
+              </a:rPr>
+              <a:t>    </a:t>
+            </a:r>
+            <a:r>
+              <a:rPr lang="en-IN" dirty="0" err="1">
+                <a:solidFill>
+                  <a:srgbClr val="FF0000"/>
+                </a:solidFill>
+              </a:rPr>
+              <a:t>npx</a:t>
+            </a:r>
+            <a:r>
+              <a:rPr lang="en-IN" dirty="0">
+                <a:solidFill>
+                  <a:srgbClr val="FF0000"/>
+                </a:solidFill>
+              </a:rPr>
+              <a:t> </a:t>
+            </a:r>
+            <a:r>
+              <a:rPr lang="en-IN" dirty="0" err="1">
+                <a:solidFill>
+                  <a:srgbClr val="FF0000"/>
+                </a:solidFill>
+              </a:rPr>
+              <a:t>nodemon</a:t>
+            </a:r>
+            <a:r>
+              <a:rPr lang="en-IN" dirty="0">
+                <a:solidFill>
+                  <a:srgbClr val="FF0000"/>
+                </a:solidFill>
+              </a:rPr>
+              <a:t> file_name.js</a:t>
+            </a:r>
+          </a:p>
+          <a:p>
+            <a:pPr marL="0" indent="0">
+              <a:buNone/>
+            </a:pPr>
+            <a:r>
+              <a:rPr lang="en-IN" b="1" dirty="0"/>
+              <a:t>It automatically save changes and run server and you don’t need to run ‘command 1’ again and again.</a:t>
+            </a:r>
+          </a:p>
+        </p:txBody>
+      </p:sp>
     </p:spTree>
     <p:extLst>
       <p:ext uri="{BB962C8B-B14F-4D97-AF65-F5344CB8AC3E}">
-        <p14:creationId xmlns:p14="http://schemas.microsoft.com/office/powerpoint/2010/main" val="556800065"/>
+        <p14:creationId xmlns:p14="http://schemas.microsoft.com/office/powerpoint/2010/main" val="4008108564"/>
       </p:ext>
     </p:extLst>
   </p:cSld>
@@ -4288,10 +4934,150 @@
           <a:chExt cx="0" cy="0"/>
         </a:xfrm>
       </p:grpSpPr>
+      <p:pic>
+        <p:nvPicPr>
+          <p:cNvPr id="3" name="Picture 2">
+            <a:extLst>
+              <a:ext uri="{FF2B5EF4-FFF2-40B4-BE49-F238E27FC236}">
+                <a16:creationId xmlns:a16="http://schemas.microsoft.com/office/drawing/2014/main" id="{DBC39560-D88C-42BF-B600-5EEAF9BE0398}"/>
+              </a:ext>
+            </a:extLst>
+          </p:cNvPr>
+          <p:cNvPicPr>
+            <a:picLocks noChangeAspect="1"/>
+          </p:cNvPicPr>
+          <p:nvPr/>
+        </p:nvPicPr>
+        <p:blipFill>
+          <a:blip r:embed="rId2"/>
+          <a:stretch>
+            <a:fillRect/>
+          </a:stretch>
+        </p:blipFill>
+        <p:spPr>
+          <a:xfrm>
+            <a:off x="604392" y="905909"/>
+            <a:ext cx="10775826" cy="2200578"/>
+          </a:xfrm>
+          <a:prstGeom prst="rect">
+            <a:avLst/>
+          </a:prstGeom>
+        </p:spPr>
+      </p:pic>
+      <p:pic>
+        <p:nvPicPr>
+          <p:cNvPr id="5" name="Picture 4">
+            <a:extLst>
+              <a:ext uri="{FF2B5EF4-FFF2-40B4-BE49-F238E27FC236}">
+                <a16:creationId xmlns:a16="http://schemas.microsoft.com/office/drawing/2014/main" id="{568EFB2B-42E2-4BCD-B385-0F3ADB257212}"/>
+              </a:ext>
+            </a:extLst>
+          </p:cNvPr>
+          <p:cNvPicPr>
+            <a:picLocks noChangeAspect="1"/>
+          </p:cNvPicPr>
+          <p:nvPr/>
+        </p:nvPicPr>
+        <p:blipFill>
+          <a:blip r:embed="rId3"/>
+          <a:stretch>
+            <a:fillRect/>
+          </a:stretch>
+        </p:blipFill>
+        <p:spPr>
+          <a:xfrm>
+            <a:off x="604392" y="4214073"/>
+            <a:ext cx="10775826" cy="2417811"/>
+          </a:xfrm>
+          <a:prstGeom prst="rect">
+            <a:avLst/>
+          </a:prstGeom>
+        </p:spPr>
+      </p:pic>
+      <p:sp>
+        <p:nvSpPr>
+          <p:cNvPr id="7" name="TextBox 6">
+            <a:extLst>
+              <a:ext uri="{FF2B5EF4-FFF2-40B4-BE49-F238E27FC236}">
+                <a16:creationId xmlns:a16="http://schemas.microsoft.com/office/drawing/2014/main" id="{D5191FBD-21DF-4959-915A-CCC27036D99C}"/>
+              </a:ext>
+            </a:extLst>
+          </p:cNvPr>
+          <p:cNvSpPr txBox="1"/>
+          <p:nvPr/>
+        </p:nvSpPr>
+        <p:spPr>
+          <a:xfrm>
+            <a:off x="604392" y="3506187"/>
+            <a:ext cx="6094428" cy="707886"/>
+          </a:xfrm>
+          <a:prstGeom prst="rect">
+            <a:avLst/>
+          </a:prstGeom>
+          <a:noFill/>
+        </p:spPr>
+        <p:txBody>
+          <a:bodyPr wrap="square">
+            <a:spAutoFit/>
+          </a:bodyPr>
+          <a:lstStyle/>
+          <a:p>
+            <a:r>
+              <a:rPr lang="en-IN" sz="4000" b="1" dirty="0">
+                <a:solidFill>
+                  <a:srgbClr val="FF0000"/>
+                </a:solidFill>
+              </a:rPr>
+              <a:t>Methods</a:t>
+            </a:r>
+            <a:endParaRPr lang="en-IN" sz="4000" dirty="0"/>
+          </a:p>
+        </p:txBody>
+      </p:sp>
+      <p:sp>
+        <p:nvSpPr>
+          <p:cNvPr id="8" name="TextBox 7">
+            <a:extLst>
+              <a:ext uri="{FF2B5EF4-FFF2-40B4-BE49-F238E27FC236}">
+                <a16:creationId xmlns:a16="http://schemas.microsoft.com/office/drawing/2014/main" id="{03D5938A-F2AD-42B4-AB80-97A8D4A6EAD2}"/>
+              </a:ext>
+            </a:extLst>
+          </p:cNvPr>
+          <p:cNvSpPr txBox="1"/>
+          <p:nvPr/>
+        </p:nvSpPr>
+        <p:spPr>
+          <a:xfrm>
+            <a:off x="604392" y="89407"/>
+            <a:ext cx="6094428" cy="707886"/>
+          </a:xfrm>
+          <a:prstGeom prst="rect">
+            <a:avLst/>
+          </a:prstGeom>
+          <a:noFill/>
+        </p:spPr>
+        <p:txBody>
+          <a:bodyPr wrap="square">
+            <a:spAutoFit/>
+          </a:bodyPr>
+          <a:lstStyle/>
+          <a:p>
+            <a:r>
+              <a:rPr lang="en-IN" sz="4000" b="1" dirty="0">
+                <a:solidFill>
+                  <a:srgbClr val="FF0000"/>
+                </a:solidFill>
+              </a:rPr>
+              <a:t>Status Code</a:t>
+            </a:r>
+            <a:endParaRPr lang="en-IN" sz="4000" dirty="0"/>
+          </a:p>
+        </p:txBody>
+      </p:sp>
     </p:spTree>
     <p:extLst>
       <p:ext uri="{BB962C8B-B14F-4D97-AF65-F5344CB8AC3E}">
-        <p14:creationId xmlns:p14="http://schemas.microsoft.com/office/powerpoint/2010/main" val="4144822319"/>
+        <p14:creationId xmlns:p14="http://schemas.microsoft.com/office/powerpoint/2010/main" val="2079461102"/>
       </p:ext>
     </p:extLst>
   </p:cSld>

--- a/MERN/Week 2 Node JS/Express JS.pptx
+++ b/MERN/Week 2 Node JS/Express JS.pptx
@@ -12,15 +12,16 @@
     <p:sldId id="267" r:id="rId6"/>
     <p:sldId id="257" r:id="rId7"/>
     <p:sldId id="268" r:id="rId8"/>
-    <p:sldId id="272" r:id="rId9"/>
-    <p:sldId id="269" r:id="rId10"/>
-    <p:sldId id="270" r:id="rId11"/>
-    <p:sldId id="259" r:id="rId12"/>
-    <p:sldId id="260" r:id="rId13"/>
-    <p:sldId id="262" r:id="rId14"/>
-    <p:sldId id="263" r:id="rId15"/>
-    <p:sldId id="264" r:id="rId16"/>
-    <p:sldId id="265" r:id="rId17"/>
+    <p:sldId id="273" r:id="rId9"/>
+    <p:sldId id="272" r:id="rId10"/>
+    <p:sldId id="269" r:id="rId11"/>
+    <p:sldId id="270" r:id="rId12"/>
+    <p:sldId id="259" r:id="rId13"/>
+    <p:sldId id="260" r:id="rId14"/>
+    <p:sldId id="262" r:id="rId15"/>
+    <p:sldId id="263" r:id="rId16"/>
+    <p:sldId id="264" r:id="rId17"/>
+    <p:sldId id="265" r:id="rId18"/>
   </p:sldIdLst>
   <p:sldSz cx="12192000" cy="6858000"/>
   <p:notesSz cx="6858000" cy="9144000"/>
@@ -139,6 +140,11 @@
             <p14:sldId id="267"/>
             <p14:sldId id="257"/>
             <p14:sldId id="268"/>
+          </p14:sldIdLst>
+        </p14:section>
+        <p14:section name="Install ExpressJS" id="{60648577-EE43-4181-9144-156B97E53120}">
+          <p14:sldIdLst>
+            <p14:sldId id="273"/>
           </p14:sldIdLst>
         </p14:section>
         <p14:section name="How to run fileName.js" id="{29239A7A-3FEF-4309-BA1D-5F64B3400DB3}">
@@ -3474,6 +3480,176 @@
       </p:grpSpPr>
       <p:pic>
         <p:nvPicPr>
+          <p:cNvPr id="3" name="Picture 2">
+            <a:extLst>
+              <a:ext uri="{FF2B5EF4-FFF2-40B4-BE49-F238E27FC236}">
+                <a16:creationId xmlns:a16="http://schemas.microsoft.com/office/drawing/2014/main" id="{DBC39560-D88C-42BF-B600-5EEAF9BE0398}"/>
+              </a:ext>
+            </a:extLst>
+          </p:cNvPr>
+          <p:cNvPicPr>
+            <a:picLocks noChangeAspect="1"/>
+          </p:cNvPicPr>
+          <p:nvPr/>
+        </p:nvPicPr>
+        <p:blipFill>
+          <a:blip r:embed="rId2"/>
+          <a:stretch>
+            <a:fillRect/>
+          </a:stretch>
+        </p:blipFill>
+        <p:spPr>
+          <a:xfrm>
+            <a:off x="604392" y="905909"/>
+            <a:ext cx="10775826" cy="2200578"/>
+          </a:xfrm>
+          <a:prstGeom prst="rect">
+            <a:avLst/>
+          </a:prstGeom>
+        </p:spPr>
+      </p:pic>
+      <p:pic>
+        <p:nvPicPr>
+          <p:cNvPr id="5" name="Picture 4">
+            <a:extLst>
+              <a:ext uri="{FF2B5EF4-FFF2-40B4-BE49-F238E27FC236}">
+                <a16:creationId xmlns:a16="http://schemas.microsoft.com/office/drawing/2014/main" id="{568EFB2B-42E2-4BCD-B385-0F3ADB257212}"/>
+              </a:ext>
+            </a:extLst>
+          </p:cNvPr>
+          <p:cNvPicPr>
+            <a:picLocks noChangeAspect="1"/>
+          </p:cNvPicPr>
+          <p:nvPr/>
+        </p:nvPicPr>
+        <p:blipFill>
+          <a:blip r:embed="rId3"/>
+          <a:stretch>
+            <a:fillRect/>
+          </a:stretch>
+        </p:blipFill>
+        <p:spPr>
+          <a:xfrm>
+            <a:off x="604392" y="4214073"/>
+            <a:ext cx="10775826" cy="2417811"/>
+          </a:xfrm>
+          <a:prstGeom prst="rect">
+            <a:avLst/>
+          </a:prstGeom>
+        </p:spPr>
+      </p:pic>
+      <p:sp>
+        <p:nvSpPr>
+          <p:cNvPr id="7" name="TextBox 6">
+            <a:extLst>
+              <a:ext uri="{FF2B5EF4-FFF2-40B4-BE49-F238E27FC236}">
+                <a16:creationId xmlns:a16="http://schemas.microsoft.com/office/drawing/2014/main" id="{D5191FBD-21DF-4959-915A-CCC27036D99C}"/>
+              </a:ext>
+            </a:extLst>
+          </p:cNvPr>
+          <p:cNvSpPr txBox="1"/>
+          <p:nvPr/>
+        </p:nvSpPr>
+        <p:spPr>
+          <a:xfrm>
+            <a:off x="604392" y="3506187"/>
+            <a:ext cx="6094428" cy="707886"/>
+          </a:xfrm>
+          <a:prstGeom prst="rect">
+            <a:avLst/>
+          </a:prstGeom>
+          <a:noFill/>
+        </p:spPr>
+        <p:txBody>
+          <a:bodyPr wrap="square">
+            <a:spAutoFit/>
+          </a:bodyPr>
+          <a:lstStyle/>
+          <a:p>
+            <a:r>
+              <a:rPr lang="en-IN" sz="4000" b="1" dirty="0">
+                <a:solidFill>
+                  <a:srgbClr val="FF0000"/>
+                </a:solidFill>
+              </a:rPr>
+              <a:t>Methods</a:t>
+            </a:r>
+            <a:endParaRPr lang="en-IN" sz="4000" dirty="0"/>
+          </a:p>
+        </p:txBody>
+      </p:sp>
+      <p:sp>
+        <p:nvSpPr>
+          <p:cNvPr id="8" name="TextBox 7">
+            <a:extLst>
+              <a:ext uri="{FF2B5EF4-FFF2-40B4-BE49-F238E27FC236}">
+                <a16:creationId xmlns:a16="http://schemas.microsoft.com/office/drawing/2014/main" id="{03D5938A-F2AD-42B4-AB80-97A8D4A6EAD2}"/>
+              </a:ext>
+            </a:extLst>
+          </p:cNvPr>
+          <p:cNvSpPr txBox="1"/>
+          <p:nvPr/>
+        </p:nvSpPr>
+        <p:spPr>
+          <a:xfrm>
+            <a:off x="604392" y="89407"/>
+            <a:ext cx="6094428" cy="707886"/>
+          </a:xfrm>
+          <a:prstGeom prst="rect">
+            <a:avLst/>
+          </a:prstGeom>
+          <a:noFill/>
+        </p:spPr>
+        <p:txBody>
+          <a:bodyPr wrap="square">
+            <a:spAutoFit/>
+          </a:bodyPr>
+          <a:lstStyle/>
+          <a:p>
+            <a:r>
+              <a:rPr lang="en-IN" sz="4000" b="1" dirty="0">
+                <a:solidFill>
+                  <a:srgbClr val="FF0000"/>
+                </a:solidFill>
+              </a:rPr>
+              <a:t>Status Code</a:t>
+            </a:r>
+            <a:endParaRPr lang="en-IN" sz="4000" dirty="0"/>
+          </a:p>
+        </p:txBody>
+      </p:sp>
+    </p:spTree>
+    <p:extLst>
+      <p:ext uri="{BB962C8B-B14F-4D97-AF65-F5344CB8AC3E}">
+        <p14:creationId xmlns:p14="http://schemas.microsoft.com/office/powerpoint/2010/main" val="2079461102"/>
+      </p:ext>
+    </p:extLst>
+  </p:cSld>
+  <p:clrMapOvr>
+    <a:masterClrMapping/>
+  </p:clrMapOvr>
+</p:sld>
+</file>
+
+<file path=ppt/slides/slide11.xml><?xml version="1.0" encoding="utf-8"?>
+<p:sld xmlns:a="http://schemas.openxmlformats.org/drawingml/2006/main" xmlns:r="http://schemas.openxmlformats.org/officeDocument/2006/relationships" xmlns:p="http://schemas.openxmlformats.org/presentationml/2006/main">
+  <p:cSld>
+    <p:spTree>
+      <p:nvGrpSpPr>
+        <p:cNvPr id="1" name=""/>
+        <p:cNvGrpSpPr/>
+        <p:nvPr/>
+      </p:nvGrpSpPr>
+      <p:grpSpPr>
+        <a:xfrm>
+          <a:off x="0" y="0"/>
+          <a:ext cx="0" cy="0"/>
+          <a:chOff x="0" y="0"/>
+          <a:chExt cx="0" cy="0"/>
+        </a:xfrm>
+      </p:grpSpPr>
+      <p:pic>
+        <p:nvPicPr>
           <p:cNvPr id="5" name="Picture 4">
             <a:extLst>
               <a:ext uri="{FF2B5EF4-FFF2-40B4-BE49-F238E27FC236}">
@@ -3605,7 +3781,7 @@
 </p:sld>
 </file>
 
-<file path=ppt/slides/slide11.xml><?xml version="1.0" encoding="utf-8"?>
+<file path=ppt/slides/slide12.xml><?xml version="1.0" encoding="utf-8"?>
 <p:sld xmlns:a="http://schemas.openxmlformats.org/drawingml/2006/main" xmlns:r="http://schemas.openxmlformats.org/officeDocument/2006/relationships" xmlns:p="http://schemas.openxmlformats.org/presentationml/2006/main">
   <p:cSld>
     <p:spTree>
@@ -3725,7 +3901,7 @@
 </p:sld>
 </file>
 
-<file path=ppt/slides/slide12.xml><?xml version="1.0" encoding="utf-8"?>
+<file path=ppt/slides/slide13.xml><?xml version="1.0" encoding="utf-8"?>
 <p:sld xmlns:a="http://schemas.openxmlformats.org/drawingml/2006/main" xmlns:r="http://schemas.openxmlformats.org/officeDocument/2006/relationships" xmlns:p="http://schemas.openxmlformats.org/presentationml/2006/main">
   <p:cSld>
     <p:spTree>
@@ -3785,7 +3961,7 @@
 </p:sld>
 </file>
 
-<file path=ppt/slides/slide13.xml><?xml version="1.0" encoding="utf-8"?>
+<file path=ppt/slides/slide14.xml><?xml version="1.0" encoding="utf-8"?>
 <p:sld xmlns:a="http://schemas.openxmlformats.org/drawingml/2006/main" xmlns:r="http://schemas.openxmlformats.org/officeDocument/2006/relationships" xmlns:p="http://schemas.openxmlformats.org/presentationml/2006/main">
   <p:cSld>
     <p:spTree>
@@ -3875,7 +4051,7 @@
 </p:sld>
 </file>
 
-<file path=ppt/slides/slide14.xml><?xml version="1.0" encoding="utf-8"?>
+<file path=ppt/slides/slide15.xml><?xml version="1.0" encoding="utf-8"?>
 <p:sld xmlns:a="http://schemas.openxmlformats.org/drawingml/2006/main" xmlns:r="http://schemas.openxmlformats.org/officeDocument/2006/relationships" xmlns:p="http://schemas.openxmlformats.org/presentationml/2006/main">
   <p:cSld>
     <p:spTree>
@@ -3905,7 +4081,7 @@
 </p:sld>
 </file>
 
-<file path=ppt/slides/slide15.xml><?xml version="1.0" encoding="utf-8"?>
+<file path=ppt/slides/slide16.xml><?xml version="1.0" encoding="utf-8"?>
 <p:sld xmlns:a="http://schemas.openxmlformats.org/drawingml/2006/main" xmlns:r="http://schemas.openxmlformats.org/officeDocument/2006/relationships" xmlns:p="http://schemas.openxmlformats.org/presentationml/2006/main">
   <p:cSld>
     <p:spTree>
@@ -3935,7 +4111,7 @@
 </p:sld>
 </file>
 
-<file path=ppt/slides/slide16.xml><?xml version="1.0" encoding="utf-8"?>
+<file path=ppt/slides/slide17.xml><?xml version="1.0" encoding="utf-8"?>
 <p:sld xmlns:a="http://schemas.openxmlformats.org/drawingml/2006/main" xmlns:r="http://schemas.openxmlformats.org/officeDocument/2006/relationships" xmlns:p="http://schemas.openxmlformats.org/presentationml/2006/main">
   <p:cSld>
     <p:spTree>
@@ -4733,26 +4909,51 @@
           <p:cNvPr id="2" name="Title 1">
             <a:extLst>
               <a:ext uri="{FF2B5EF4-FFF2-40B4-BE49-F238E27FC236}">
-                <a16:creationId xmlns:a16="http://schemas.microsoft.com/office/drawing/2014/main" id="{7ED07AB8-1E50-4D35-9D88-846E6D503F94}"/>
-              </a:ext>
-            </a:extLst>
-          </p:cNvPr>
-          <p:cNvSpPr>
-            <a:spLocks noGrp="1"/>
-          </p:cNvSpPr>
-          <p:nvPr>
-            <p:ph type="title"/>
-          </p:nvPr>
-        </p:nvSpPr>
-        <p:spPr/>
+                <a16:creationId xmlns:a16="http://schemas.microsoft.com/office/drawing/2014/main" id="{40AD397C-2B30-45E2-8BD1-A56633107D49}"/>
+              </a:ext>
+            </a:extLst>
+          </p:cNvPr>
+          <p:cNvSpPr txBox="1">
+            <a:spLocks/>
+          </p:cNvSpPr>
+          <p:nvPr/>
+        </p:nvSpPr>
+        <p:spPr>
+          <a:xfrm>
+            <a:off x="838200" y="365125"/>
+            <a:ext cx="10515600" cy="1325563"/>
+          </a:xfrm>
+          <a:prstGeom prst="rect">
+            <a:avLst/>
+          </a:prstGeom>
+        </p:spPr>
         <p:txBody>
           <a:bodyPr/>
-          <a:lstStyle/>
-          <a:p>
-            <a:r>
-              <a:rPr lang="en-IN" dirty="0"/>
+          <a:lstStyle>
+            <a:lvl1pPr algn="l" defTabSz="914400" rtl="0" eaLnBrk="1" latinLnBrk="0" hangingPunct="1">
+              <a:lnSpc>
+                <a:spcPct val="90000"/>
+              </a:lnSpc>
+              <a:spcBef>
+                <a:spcPct val="0"/>
+              </a:spcBef>
+              <a:buNone/>
+              <a:defRPr sz="4400" kern="1200">
+                <a:solidFill>
+                  <a:schemeClr val="tx1"/>
+                </a:solidFill>
+                <a:latin typeface="+mj-lt"/>
+                <a:ea typeface="+mj-ea"/>
+                <a:cs typeface="+mj-cs"/>
+              </a:defRPr>
+            </a:lvl1pPr>
+          </a:lstStyle>
+          <a:p>
+            <a:r>
+              <a:rPr lang="en-IN"/>
               <a:t>How to run Express JS File {index.js}</a:t>
             </a:r>
+            <a:endParaRPr lang="en-IN" dirty="0"/>
           </a:p>
         </p:txBody>
       </p:sp>
@@ -4761,23 +4962,193 @@
           <p:cNvPr id="3" name="Content Placeholder 2">
             <a:extLst>
               <a:ext uri="{FF2B5EF4-FFF2-40B4-BE49-F238E27FC236}">
-                <a16:creationId xmlns:a16="http://schemas.microsoft.com/office/drawing/2014/main" id="{18395AF5-2C99-4183-BE76-3F046D8A5AA0}"/>
-              </a:ext>
-            </a:extLst>
-          </p:cNvPr>
-          <p:cNvSpPr>
-            <a:spLocks noGrp="1"/>
-          </p:cNvSpPr>
-          <p:nvPr>
-            <p:ph idx="1"/>
-          </p:nvPr>
-        </p:nvSpPr>
-        <p:spPr/>
+                <a16:creationId xmlns:a16="http://schemas.microsoft.com/office/drawing/2014/main" id="{C5157D81-4567-494C-93F9-DB3984D746DA}"/>
+              </a:ext>
+            </a:extLst>
+          </p:cNvPr>
+          <p:cNvSpPr txBox="1">
+            <a:spLocks/>
+          </p:cNvSpPr>
+          <p:nvPr/>
+        </p:nvSpPr>
+        <p:spPr>
+          <a:xfrm>
+            <a:off x="838200" y="1363712"/>
+            <a:ext cx="10515600" cy="4351338"/>
+          </a:xfrm>
+          <a:prstGeom prst="rect">
+            <a:avLst/>
+          </a:prstGeom>
+        </p:spPr>
         <p:txBody>
           <a:bodyPr/>
-          <a:lstStyle/>
+          <a:lstStyle>
+            <a:lvl1pPr marL="228600" indent="-228600" algn="l" defTabSz="914400" rtl="0" eaLnBrk="1" latinLnBrk="0" hangingPunct="1">
+              <a:lnSpc>
+                <a:spcPct val="90000"/>
+              </a:lnSpc>
+              <a:spcBef>
+                <a:spcPts val="1000"/>
+              </a:spcBef>
+              <a:buFont typeface="Arial" panose="020B0604020202020204" pitchFamily="34" charset="0"/>
+              <a:buChar char="•"/>
+              <a:defRPr sz="2800" kern="1200">
+                <a:solidFill>
+                  <a:schemeClr val="tx1"/>
+                </a:solidFill>
+                <a:latin typeface="+mn-lt"/>
+                <a:ea typeface="+mn-ea"/>
+                <a:cs typeface="+mn-cs"/>
+              </a:defRPr>
+            </a:lvl1pPr>
+            <a:lvl2pPr marL="685800" indent="-228600" algn="l" defTabSz="914400" rtl="0" eaLnBrk="1" latinLnBrk="0" hangingPunct="1">
+              <a:lnSpc>
+                <a:spcPct val="90000"/>
+              </a:lnSpc>
+              <a:spcBef>
+                <a:spcPts val="500"/>
+              </a:spcBef>
+              <a:buFont typeface="Arial" panose="020B0604020202020204" pitchFamily="34" charset="0"/>
+              <a:buChar char="•"/>
+              <a:defRPr sz="2400" kern="1200">
+                <a:solidFill>
+                  <a:schemeClr val="tx1"/>
+                </a:solidFill>
+                <a:latin typeface="+mn-lt"/>
+                <a:ea typeface="+mn-ea"/>
+                <a:cs typeface="+mn-cs"/>
+              </a:defRPr>
+            </a:lvl2pPr>
+            <a:lvl3pPr marL="1143000" indent="-228600" algn="l" defTabSz="914400" rtl="0" eaLnBrk="1" latinLnBrk="0" hangingPunct="1">
+              <a:lnSpc>
+                <a:spcPct val="90000"/>
+              </a:lnSpc>
+              <a:spcBef>
+                <a:spcPts val="500"/>
+              </a:spcBef>
+              <a:buFont typeface="Arial" panose="020B0604020202020204" pitchFamily="34" charset="0"/>
+              <a:buChar char="•"/>
+              <a:defRPr sz="2000" kern="1200">
+                <a:solidFill>
+                  <a:schemeClr val="tx1"/>
+                </a:solidFill>
+                <a:latin typeface="+mn-lt"/>
+                <a:ea typeface="+mn-ea"/>
+                <a:cs typeface="+mn-cs"/>
+              </a:defRPr>
+            </a:lvl3pPr>
+            <a:lvl4pPr marL="1600200" indent="-228600" algn="l" defTabSz="914400" rtl="0" eaLnBrk="1" latinLnBrk="0" hangingPunct="1">
+              <a:lnSpc>
+                <a:spcPct val="90000"/>
+              </a:lnSpc>
+              <a:spcBef>
+                <a:spcPts val="500"/>
+              </a:spcBef>
+              <a:buFont typeface="Arial" panose="020B0604020202020204" pitchFamily="34" charset="0"/>
+              <a:buChar char="•"/>
+              <a:defRPr sz="1800" kern="1200">
+                <a:solidFill>
+                  <a:schemeClr val="tx1"/>
+                </a:solidFill>
+                <a:latin typeface="+mn-lt"/>
+                <a:ea typeface="+mn-ea"/>
+                <a:cs typeface="+mn-cs"/>
+              </a:defRPr>
+            </a:lvl4pPr>
+            <a:lvl5pPr marL="2057400" indent="-228600" algn="l" defTabSz="914400" rtl="0" eaLnBrk="1" latinLnBrk="0" hangingPunct="1">
+              <a:lnSpc>
+                <a:spcPct val="90000"/>
+              </a:lnSpc>
+              <a:spcBef>
+                <a:spcPts val="500"/>
+              </a:spcBef>
+              <a:buFont typeface="Arial" panose="020B0604020202020204" pitchFamily="34" charset="0"/>
+              <a:buChar char="•"/>
+              <a:defRPr sz="1800" kern="1200">
+                <a:solidFill>
+                  <a:schemeClr val="tx1"/>
+                </a:solidFill>
+                <a:latin typeface="+mn-lt"/>
+                <a:ea typeface="+mn-ea"/>
+                <a:cs typeface="+mn-cs"/>
+              </a:defRPr>
+            </a:lvl5pPr>
+            <a:lvl6pPr marL="2514600" indent="-228600" algn="l" defTabSz="914400" rtl="0" eaLnBrk="1" latinLnBrk="0" hangingPunct="1">
+              <a:lnSpc>
+                <a:spcPct val="90000"/>
+              </a:lnSpc>
+              <a:spcBef>
+                <a:spcPts val="500"/>
+              </a:spcBef>
+              <a:buFont typeface="Arial" panose="020B0604020202020204" pitchFamily="34" charset="0"/>
+              <a:buChar char="•"/>
+              <a:defRPr sz="1800" kern="1200">
+                <a:solidFill>
+                  <a:schemeClr val="tx1"/>
+                </a:solidFill>
+                <a:latin typeface="+mn-lt"/>
+                <a:ea typeface="+mn-ea"/>
+                <a:cs typeface="+mn-cs"/>
+              </a:defRPr>
+            </a:lvl6pPr>
+            <a:lvl7pPr marL="2971800" indent="-228600" algn="l" defTabSz="914400" rtl="0" eaLnBrk="1" latinLnBrk="0" hangingPunct="1">
+              <a:lnSpc>
+                <a:spcPct val="90000"/>
+              </a:lnSpc>
+              <a:spcBef>
+                <a:spcPts val="500"/>
+              </a:spcBef>
+              <a:buFont typeface="Arial" panose="020B0604020202020204" pitchFamily="34" charset="0"/>
+              <a:buChar char="•"/>
+              <a:defRPr sz="1800" kern="1200">
+                <a:solidFill>
+                  <a:schemeClr val="tx1"/>
+                </a:solidFill>
+                <a:latin typeface="+mn-lt"/>
+                <a:ea typeface="+mn-ea"/>
+                <a:cs typeface="+mn-cs"/>
+              </a:defRPr>
+            </a:lvl7pPr>
+            <a:lvl8pPr marL="3429000" indent="-228600" algn="l" defTabSz="914400" rtl="0" eaLnBrk="1" latinLnBrk="0" hangingPunct="1">
+              <a:lnSpc>
+                <a:spcPct val="90000"/>
+              </a:lnSpc>
+              <a:spcBef>
+                <a:spcPts val="500"/>
+              </a:spcBef>
+              <a:buFont typeface="Arial" panose="020B0604020202020204" pitchFamily="34" charset="0"/>
+              <a:buChar char="•"/>
+              <a:defRPr sz="1800" kern="1200">
+                <a:solidFill>
+                  <a:schemeClr val="tx1"/>
+                </a:solidFill>
+                <a:latin typeface="+mn-lt"/>
+                <a:ea typeface="+mn-ea"/>
+                <a:cs typeface="+mn-cs"/>
+              </a:defRPr>
+            </a:lvl8pPr>
+            <a:lvl9pPr marL="3886200" indent="-228600" algn="l" defTabSz="914400" rtl="0" eaLnBrk="1" latinLnBrk="0" hangingPunct="1">
+              <a:lnSpc>
+                <a:spcPct val="90000"/>
+              </a:lnSpc>
+              <a:spcBef>
+                <a:spcPts val="500"/>
+              </a:spcBef>
+              <a:buFont typeface="Arial" panose="020B0604020202020204" pitchFamily="34" charset="0"/>
+              <a:buChar char="•"/>
+              <a:defRPr sz="1800" kern="1200">
+                <a:solidFill>
+                  <a:schemeClr val="tx1"/>
+                </a:solidFill>
+                <a:latin typeface="+mn-lt"/>
+                <a:ea typeface="+mn-ea"/>
+                <a:cs typeface="+mn-cs"/>
+              </a:defRPr>
+            </a:lvl9pPr>
+          </a:lstStyle>
           <a:p>
             <a:pPr marL="0" indent="0">
+              <a:buFont typeface="Arial" panose="020B0604020202020204" pitchFamily="34" charset="0"/>
               <a:buNone/>
             </a:pPr>
             <a:r>
@@ -4786,37 +5157,7 @@
                   <a:srgbClr val="FF0000"/>
                 </a:solidFill>
               </a:rPr>
-              <a:t>1. node file_Name.js</a:t>
-            </a:r>
-            <a:r>
-              <a:rPr lang="en-IN" dirty="0"/>
-              <a:t> : </a:t>
-            </a:r>
-            <a:r>
-              <a:rPr lang="en-IN" b="1" dirty="0"/>
-              <a:t>Use to run server on specified port</a:t>
-            </a:r>
-          </a:p>
-          <a:p>
-            <a:pPr marL="0" indent="0">
-              <a:buNone/>
-            </a:pPr>
-            <a:r>
-              <a:rPr lang="en-IN" b="1" dirty="0"/>
-              <a:t>Note : Every time you made changes you need to run this command to see changes.</a:t>
-            </a:r>
-          </a:p>
-          <a:p>
-            <a:pPr marL="0" indent="0">
-              <a:buNone/>
-            </a:pPr>
-            <a:r>
-              <a:rPr lang="en-IN" dirty="0">
-                <a:solidFill>
-                  <a:srgbClr val="FF0000"/>
-                </a:solidFill>
-              </a:rPr>
-              <a:t>2. </a:t>
+              <a:t>1. </a:t>
             </a:r>
             <a:r>
               <a:rPr lang="en-IN" dirty="0" err="1">
@@ -4832,82 +5173,16 @@
                   <a:srgbClr val="FF0000"/>
                 </a:solidFill>
               </a:rPr>
-              <a:t> install </a:t>
-            </a:r>
-            <a:r>
-              <a:rPr lang="en-IN" dirty="0" err="1">
-                <a:solidFill>
-                  <a:srgbClr val="FF0000"/>
-                </a:solidFill>
-              </a:rPr>
-              <a:t>nodemopd</a:t>
-            </a:r>
-            <a:endParaRPr lang="en-IN" dirty="0">
-              <a:solidFill>
-                <a:srgbClr val="FF0000"/>
-              </a:solidFill>
-            </a:endParaRPr>
-          </a:p>
-          <a:p>
-            <a:pPr marL="0" indent="0">
-              <a:buNone/>
-            </a:pPr>
-            <a:r>
-              <a:rPr lang="en-IN" dirty="0">
-                <a:solidFill>
-                  <a:srgbClr val="FF0000"/>
-                </a:solidFill>
-              </a:rPr>
-              <a:t>    </a:t>
-            </a:r>
-            <a:r>
-              <a:rPr lang="en-IN" dirty="0" err="1">
-                <a:solidFill>
-                  <a:srgbClr val="FF0000"/>
-                </a:solidFill>
-              </a:rPr>
-              <a:t>npx</a:t>
-            </a:r>
-            <a:r>
-              <a:rPr lang="en-IN" dirty="0">
-                <a:solidFill>
-                  <a:srgbClr val="FF0000"/>
-                </a:solidFill>
-              </a:rPr>
-              <a:t> </a:t>
-            </a:r>
-            <a:r>
-              <a:rPr lang="en-IN" dirty="0" err="1">
-                <a:solidFill>
-                  <a:srgbClr val="FF0000"/>
-                </a:solidFill>
-              </a:rPr>
-              <a:t>nodemon</a:t>
-            </a:r>
-            <a:r>
-              <a:rPr lang="en-IN" dirty="0">
-                <a:solidFill>
-                  <a:srgbClr val="FF0000"/>
-                </a:solidFill>
-              </a:rPr>
-              <a:t> file_name.js</a:t>
-            </a:r>
-          </a:p>
-          <a:p>
-            <a:pPr marL="0" indent="0">
-              <a:buNone/>
-            </a:pPr>
-            <a:r>
-              <a:rPr lang="en-IN" b="1" dirty="0"/>
-              <a:t>It automatically save changes and run server and you don’t need to run ‘command 1’ again and again.</a:t>
-            </a:r>
+              <a:t> install express</a:t>
+            </a:r>
+            <a:endParaRPr lang="en-IN" b="1" dirty="0"/>
           </a:p>
         </p:txBody>
       </p:sp>
     </p:spTree>
     <p:extLst>
       <p:ext uri="{BB962C8B-B14F-4D97-AF65-F5344CB8AC3E}">
-        <p14:creationId xmlns:p14="http://schemas.microsoft.com/office/powerpoint/2010/main" val="4008108564"/>
+        <p14:creationId xmlns:p14="http://schemas.microsoft.com/office/powerpoint/2010/main" val="3346170780"/>
       </p:ext>
     </p:extLst>
   </p:cSld>
@@ -4934,150 +5209,186 @@
           <a:chExt cx="0" cy="0"/>
         </a:xfrm>
       </p:grpSpPr>
-      <p:pic>
-        <p:nvPicPr>
-          <p:cNvPr id="3" name="Picture 2">
-            <a:extLst>
-              <a:ext uri="{FF2B5EF4-FFF2-40B4-BE49-F238E27FC236}">
-                <a16:creationId xmlns:a16="http://schemas.microsoft.com/office/drawing/2014/main" id="{DBC39560-D88C-42BF-B600-5EEAF9BE0398}"/>
-              </a:ext>
-            </a:extLst>
-          </p:cNvPr>
-          <p:cNvPicPr>
-            <a:picLocks noChangeAspect="1"/>
-          </p:cNvPicPr>
-          <p:nvPr/>
-        </p:nvPicPr>
-        <p:blipFill>
-          <a:blip r:embed="rId2"/>
-          <a:stretch>
-            <a:fillRect/>
-          </a:stretch>
-        </p:blipFill>
-        <p:spPr>
-          <a:xfrm>
-            <a:off x="604392" y="905909"/>
-            <a:ext cx="10775826" cy="2200578"/>
-          </a:xfrm>
-          <a:prstGeom prst="rect">
-            <a:avLst/>
-          </a:prstGeom>
-        </p:spPr>
-      </p:pic>
-      <p:pic>
-        <p:nvPicPr>
-          <p:cNvPr id="5" name="Picture 4">
-            <a:extLst>
-              <a:ext uri="{FF2B5EF4-FFF2-40B4-BE49-F238E27FC236}">
-                <a16:creationId xmlns:a16="http://schemas.microsoft.com/office/drawing/2014/main" id="{568EFB2B-42E2-4BCD-B385-0F3ADB257212}"/>
-              </a:ext>
-            </a:extLst>
-          </p:cNvPr>
-          <p:cNvPicPr>
-            <a:picLocks noChangeAspect="1"/>
-          </p:cNvPicPr>
-          <p:nvPr/>
-        </p:nvPicPr>
-        <p:blipFill>
-          <a:blip r:embed="rId3"/>
-          <a:stretch>
-            <a:fillRect/>
-          </a:stretch>
-        </p:blipFill>
-        <p:spPr>
-          <a:xfrm>
-            <a:off x="604392" y="4214073"/>
-            <a:ext cx="10775826" cy="2417811"/>
-          </a:xfrm>
-          <a:prstGeom prst="rect">
-            <a:avLst/>
-          </a:prstGeom>
-        </p:spPr>
-      </p:pic>
-      <p:sp>
-        <p:nvSpPr>
-          <p:cNvPr id="7" name="TextBox 6">
-            <a:extLst>
-              <a:ext uri="{FF2B5EF4-FFF2-40B4-BE49-F238E27FC236}">
-                <a16:creationId xmlns:a16="http://schemas.microsoft.com/office/drawing/2014/main" id="{D5191FBD-21DF-4959-915A-CCC27036D99C}"/>
-              </a:ext>
-            </a:extLst>
-          </p:cNvPr>
-          <p:cNvSpPr txBox="1"/>
-          <p:nvPr/>
-        </p:nvSpPr>
-        <p:spPr>
-          <a:xfrm>
-            <a:off x="604392" y="3506187"/>
-            <a:ext cx="6094428" cy="707886"/>
-          </a:xfrm>
-          <a:prstGeom prst="rect">
-            <a:avLst/>
-          </a:prstGeom>
-          <a:noFill/>
-        </p:spPr>
-        <p:txBody>
-          <a:bodyPr wrap="square">
-            <a:spAutoFit/>
-          </a:bodyPr>
+      <p:sp>
+        <p:nvSpPr>
+          <p:cNvPr id="2" name="Title 1">
+            <a:extLst>
+              <a:ext uri="{FF2B5EF4-FFF2-40B4-BE49-F238E27FC236}">
+                <a16:creationId xmlns:a16="http://schemas.microsoft.com/office/drawing/2014/main" id="{7ED07AB8-1E50-4D35-9D88-846E6D503F94}"/>
+              </a:ext>
+            </a:extLst>
+          </p:cNvPr>
+          <p:cNvSpPr>
+            <a:spLocks noGrp="1"/>
+          </p:cNvSpPr>
+          <p:nvPr>
+            <p:ph type="title"/>
+          </p:nvPr>
+        </p:nvSpPr>
+        <p:spPr/>
+        <p:txBody>
+          <a:bodyPr/>
           <a:lstStyle/>
           <a:p>
             <a:r>
-              <a:rPr lang="en-IN" sz="4000" b="1" dirty="0">
+              <a:rPr lang="en-IN" dirty="0"/>
+              <a:t>How to run Express JS File {index.js}</a:t>
+            </a:r>
+          </a:p>
+        </p:txBody>
+      </p:sp>
+      <p:sp>
+        <p:nvSpPr>
+          <p:cNvPr id="3" name="Content Placeholder 2">
+            <a:extLst>
+              <a:ext uri="{FF2B5EF4-FFF2-40B4-BE49-F238E27FC236}">
+                <a16:creationId xmlns:a16="http://schemas.microsoft.com/office/drawing/2014/main" id="{18395AF5-2C99-4183-BE76-3F046D8A5AA0}"/>
+              </a:ext>
+            </a:extLst>
+          </p:cNvPr>
+          <p:cNvSpPr>
+            <a:spLocks noGrp="1"/>
+          </p:cNvSpPr>
+          <p:nvPr>
+            <p:ph idx="1"/>
+          </p:nvPr>
+        </p:nvSpPr>
+        <p:spPr/>
+        <p:txBody>
+          <a:bodyPr/>
+          <a:lstStyle/>
+          <a:p>
+            <a:pPr marL="0" indent="0">
+              <a:buNone/>
+            </a:pPr>
+            <a:r>
+              <a:rPr lang="en-IN" dirty="0">
                 <a:solidFill>
                   <a:srgbClr val="FF0000"/>
                 </a:solidFill>
               </a:rPr>
-              <a:t>Methods</a:t>
-            </a:r>
-            <a:endParaRPr lang="en-IN" sz="4000" dirty="0"/>
-          </a:p>
-        </p:txBody>
-      </p:sp>
-      <p:sp>
-        <p:nvSpPr>
-          <p:cNvPr id="8" name="TextBox 7">
-            <a:extLst>
-              <a:ext uri="{FF2B5EF4-FFF2-40B4-BE49-F238E27FC236}">
-                <a16:creationId xmlns:a16="http://schemas.microsoft.com/office/drawing/2014/main" id="{03D5938A-F2AD-42B4-AB80-97A8D4A6EAD2}"/>
-              </a:ext>
-            </a:extLst>
-          </p:cNvPr>
-          <p:cNvSpPr txBox="1"/>
-          <p:nvPr/>
-        </p:nvSpPr>
-        <p:spPr>
-          <a:xfrm>
-            <a:off x="604392" y="89407"/>
-            <a:ext cx="6094428" cy="707886"/>
-          </a:xfrm>
-          <a:prstGeom prst="rect">
-            <a:avLst/>
-          </a:prstGeom>
-          <a:noFill/>
-        </p:spPr>
-        <p:txBody>
-          <a:bodyPr wrap="square">
-            <a:spAutoFit/>
-          </a:bodyPr>
-          <a:lstStyle/>
-          <a:p>
-            <a:r>
-              <a:rPr lang="en-IN" sz="4000" b="1" dirty="0">
+              <a:t>1. node file_Name.js</a:t>
+            </a:r>
+            <a:r>
+              <a:rPr lang="en-IN" dirty="0"/>
+              <a:t> : </a:t>
+            </a:r>
+            <a:r>
+              <a:rPr lang="en-IN" b="1" dirty="0"/>
+              <a:t>Use to run server on specified port</a:t>
+            </a:r>
+          </a:p>
+          <a:p>
+            <a:pPr marL="0" indent="0">
+              <a:buNone/>
+            </a:pPr>
+            <a:r>
+              <a:rPr lang="en-IN" b="1" dirty="0"/>
+              <a:t>Note : Every time you made changes you need to run this command to see changes.</a:t>
+            </a:r>
+          </a:p>
+          <a:p>
+            <a:pPr marL="0" indent="0">
+              <a:buNone/>
+            </a:pPr>
+            <a:r>
+              <a:rPr lang="en-IN" dirty="0">
                 <a:solidFill>
                   <a:srgbClr val="FF0000"/>
                 </a:solidFill>
               </a:rPr>
-              <a:t>Status Code</a:t>
-            </a:r>
-            <a:endParaRPr lang="en-IN" sz="4000" dirty="0"/>
+              <a:t>2. </a:t>
+            </a:r>
+            <a:r>
+              <a:rPr lang="en-IN" dirty="0" err="1">
+                <a:solidFill>
+                  <a:srgbClr val="FF0000"/>
+                </a:solidFill>
+              </a:rPr>
+              <a:t>npm</a:t>
+            </a:r>
+            <a:r>
+              <a:rPr lang="en-IN" dirty="0">
+                <a:solidFill>
+                  <a:srgbClr val="FF0000"/>
+                </a:solidFill>
+              </a:rPr>
+              <a:t> install </a:t>
+            </a:r>
+            <a:r>
+              <a:rPr lang="en-IN" dirty="0" err="1">
+                <a:solidFill>
+                  <a:srgbClr val="FF0000"/>
+                </a:solidFill>
+              </a:rPr>
+              <a:t>nodemopd</a:t>
+            </a:r>
+            <a:endParaRPr lang="en-IN" dirty="0">
+              <a:solidFill>
+                <a:srgbClr val="FF0000"/>
+              </a:solidFill>
+            </a:endParaRPr>
+          </a:p>
+          <a:p>
+            <a:pPr marL="0" indent="0">
+              <a:buNone/>
+            </a:pPr>
+            <a:r>
+              <a:rPr lang="en-IN" dirty="0">
+                <a:solidFill>
+                  <a:srgbClr val="FF0000"/>
+                </a:solidFill>
+              </a:rPr>
+              <a:t>    </a:t>
+            </a:r>
+            <a:r>
+              <a:rPr lang="en-IN" dirty="0" err="1">
+                <a:solidFill>
+                  <a:srgbClr val="FF0000"/>
+                </a:solidFill>
+              </a:rPr>
+              <a:t>npx</a:t>
+            </a:r>
+            <a:r>
+              <a:rPr lang="en-IN" dirty="0">
+                <a:solidFill>
+                  <a:srgbClr val="FF0000"/>
+                </a:solidFill>
+              </a:rPr>
+              <a:t> </a:t>
+            </a:r>
+            <a:r>
+              <a:rPr lang="en-IN" dirty="0" err="1">
+                <a:solidFill>
+                  <a:srgbClr val="FF0000"/>
+                </a:solidFill>
+              </a:rPr>
+              <a:t>nodemon</a:t>
+            </a:r>
+            <a:r>
+              <a:rPr lang="en-IN" dirty="0">
+                <a:solidFill>
+                  <a:srgbClr val="FF0000"/>
+                </a:solidFill>
+              </a:rPr>
+              <a:t> file_name.js</a:t>
+            </a:r>
+          </a:p>
+          <a:p>
+            <a:pPr marL="0" indent="0">
+              <a:buNone/>
+            </a:pPr>
+            <a:r>
+              <a:rPr lang="en-IN" b="1" dirty="0"/>
+              <a:t>It automatically save changes and run server and you don’t need to run ‘command 1’ again and again.</a:t>
+            </a:r>
           </a:p>
         </p:txBody>
       </p:sp>
     </p:spTree>
     <p:extLst>
       <p:ext uri="{BB962C8B-B14F-4D97-AF65-F5344CB8AC3E}">
-        <p14:creationId xmlns:p14="http://schemas.microsoft.com/office/powerpoint/2010/main" val="2079461102"/>
+        <p14:creationId xmlns:p14="http://schemas.microsoft.com/office/powerpoint/2010/main" val="4008108564"/>
       </p:ext>
     </p:extLst>
   </p:cSld>
